--- a/Appointment_Scheduling/example.pptx
+++ b/Appointment_Scheduling/example.pptx
@@ -7,6 +7,7 @@
   <p:sldIdLst>
     <p:sldId id="256" r:id="rId2"/>
     <p:sldId id="257" r:id="rId3"/>
+    <p:sldId id="258" r:id="rId4"/>
   </p:sldIdLst>
   <p:sldSz cx="12192000" cy="6858000"/>
   <p:notesSz cx="6858000" cy="9144000"/>
@@ -262,7 +263,7 @@
           <a:p>
             <a:fld id="{BAB978EE-2B7C-46A2-888D-F500F5F4B27B}" type="datetimeFigureOut">
               <a:rPr lang="en-HK" smtClean="0"/>
-              <a:t>20/5/2025</a:t>
+              <a:t>27/5/2025</a:t>
             </a:fld>
             <a:endParaRPr lang="en-HK"/>
           </a:p>
@@ -462,7 +463,7 @@
           <a:p>
             <a:fld id="{BAB978EE-2B7C-46A2-888D-F500F5F4B27B}" type="datetimeFigureOut">
               <a:rPr lang="en-HK" smtClean="0"/>
-              <a:t>20/5/2025</a:t>
+              <a:t>27/5/2025</a:t>
             </a:fld>
             <a:endParaRPr lang="en-HK"/>
           </a:p>
@@ -672,7 +673,7 @@
           <a:p>
             <a:fld id="{BAB978EE-2B7C-46A2-888D-F500F5F4B27B}" type="datetimeFigureOut">
               <a:rPr lang="en-HK" smtClean="0"/>
-              <a:t>20/5/2025</a:t>
+              <a:t>27/5/2025</a:t>
             </a:fld>
             <a:endParaRPr lang="en-HK"/>
           </a:p>
@@ -872,7 +873,7 @@
           <a:p>
             <a:fld id="{BAB978EE-2B7C-46A2-888D-F500F5F4B27B}" type="datetimeFigureOut">
               <a:rPr lang="en-HK" smtClean="0"/>
-              <a:t>20/5/2025</a:t>
+              <a:t>27/5/2025</a:t>
             </a:fld>
             <a:endParaRPr lang="en-HK"/>
           </a:p>
@@ -1148,7 +1149,7 @@
           <a:p>
             <a:fld id="{BAB978EE-2B7C-46A2-888D-F500F5F4B27B}" type="datetimeFigureOut">
               <a:rPr lang="en-HK" smtClean="0"/>
-              <a:t>20/5/2025</a:t>
+              <a:t>27/5/2025</a:t>
             </a:fld>
             <a:endParaRPr lang="en-HK"/>
           </a:p>
@@ -1416,7 +1417,7 @@
           <a:p>
             <a:fld id="{BAB978EE-2B7C-46A2-888D-F500F5F4B27B}" type="datetimeFigureOut">
               <a:rPr lang="en-HK" smtClean="0"/>
-              <a:t>20/5/2025</a:t>
+              <a:t>27/5/2025</a:t>
             </a:fld>
             <a:endParaRPr lang="en-HK"/>
           </a:p>
@@ -1831,7 +1832,7 @@
           <a:p>
             <a:fld id="{BAB978EE-2B7C-46A2-888D-F500F5F4B27B}" type="datetimeFigureOut">
               <a:rPr lang="en-HK" smtClean="0"/>
-              <a:t>20/5/2025</a:t>
+              <a:t>27/5/2025</a:t>
             </a:fld>
             <a:endParaRPr lang="en-HK"/>
           </a:p>
@@ -1973,7 +1974,7 @@
           <a:p>
             <a:fld id="{BAB978EE-2B7C-46A2-888D-F500F5F4B27B}" type="datetimeFigureOut">
               <a:rPr lang="en-HK" smtClean="0"/>
-              <a:t>20/5/2025</a:t>
+              <a:t>27/5/2025</a:t>
             </a:fld>
             <a:endParaRPr lang="en-HK"/>
           </a:p>
@@ -2086,7 +2087,7 @@
           <a:p>
             <a:fld id="{BAB978EE-2B7C-46A2-888D-F500F5F4B27B}" type="datetimeFigureOut">
               <a:rPr lang="en-HK" smtClean="0"/>
-              <a:t>20/5/2025</a:t>
+              <a:t>27/5/2025</a:t>
             </a:fld>
             <a:endParaRPr lang="en-HK"/>
           </a:p>
@@ -2399,7 +2400,7 @@
           <a:p>
             <a:fld id="{BAB978EE-2B7C-46A2-888D-F500F5F4B27B}" type="datetimeFigureOut">
               <a:rPr lang="en-HK" smtClean="0"/>
-              <a:t>20/5/2025</a:t>
+              <a:t>27/5/2025</a:t>
             </a:fld>
             <a:endParaRPr lang="en-HK"/>
           </a:p>
@@ -2688,7 +2689,7 @@
           <a:p>
             <a:fld id="{BAB978EE-2B7C-46A2-888D-F500F5F4B27B}" type="datetimeFigureOut">
               <a:rPr lang="en-HK" smtClean="0"/>
-              <a:t>20/5/2025</a:t>
+              <a:t>27/5/2025</a:t>
             </a:fld>
             <a:endParaRPr lang="en-HK"/>
           </a:p>
@@ -2931,7 +2932,7 @@
           <a:p>
             <a:fld id="{BAB978EE-2B7C-46A2-888D-F500F5F4B27B}" type="datetimeFigureOut">
               <a:rPr lang="en-HK" smtClean="0"/>
-              <a:t>20/5/2025</a:t>
+              <a:t>27/5/2025</a:t>
             </a:fld>
             <a:endParaRPr lang="en-HK"/>
           </a:p>
@@ -5673,6 +5674,1371 @@
     <p:extLst>
       <p:ext uri="{BB962C8B-B14F-4D97-AF65-F5344CB8AC3E}">
         <p14:creationId xmlns:p14="http://schemas.microsoft.com/office/powerpoint/2010/main" val="406891114"/>
+      </p:ext>
+    </p:extLst>
+  </p:cSld>
+  <p:clrMapOvr>
+    <a:masterClrMapping/>
+  </p:clrMapOvr>
+</p:sld>
+</file>
+
+<file path=ppt/slides/slide3.xml><?xml version="1.0" encoding="utf-8"?>
+<p:sld xmlns:a="http://schemas.openxmlformats.org/drawingml/2006/main" xmlns:r="http://schemas.openxmlformats.org/officeDocument/2006/relationships" xmlns:p="http://schemas.openxmlformats.org/presentationml/2006/main">
+  <p:cSld>
+    <p:spTree>
+      <p:nvGrpSpPr>
+        <p:cNvPr id="1" name="">
+          <a:extLst>
+            <a:ext uri="{FF2B5EF4-FFF2-40B4-BE49-F238E27FC236}">
+              <a16:creationId xmlns:a16="http://schemas.microsoft.com/office/drawing/2014/main" id="{5997574D-ADB2-7A63-20C0-BCDC05B11862}"/>
+            </a:ext>
+          </a:extLst>
+        </p:cNvPr>
+        <p:cNvGrpSpPr/>
+        <p:nvPr/>
+      </p:nvGrpSpPr>
+      <p:grpSpPr>
+        <a:xfrm>
+          <a:off x="0" y="0"/>
+          <a:ext cx="0" cy="0"/>
+          <a:chOff x="0" y="0"/>
+          <a:chExt cx="0" cy="0"/>
+        </a:xfrm>
+      </p:grpSpPr>
+      <p:graphicFrame>
+        <p:nvGraphicFramePr>
+          <p:cNvPr id="4" name="Table 3">
+            <a:extLst>
+              <a:ext uri="{FF2B5EF4-FFF2-40B4-BE49-F238E27FC236}">
+                <a16:creationId xmlns:a16="http://schemas.microsoft.com/office/drawing/2014/main" id="{8E364A6F-F9FE-3461-22F4-7189C0EB8D31}"/>
+              </a:ext>
+            </a:extLst>
+          </p:cNvPr>
+          <p:cNvGraphicFramePr>
+            <a:graphicFrameLocks noGrp="1"/>
+          </p:cNvGraphicFramePr>
+          <p:nvPr>
+            <p:extLst>
+              <p:ext uri="{D42A27DB-BD31-4B8C-83A1-F6EECF244321}">
+                <p14:modId xmlns:p14="http://schemas.microsoft.com/office/powerpoint/2010/main" val="1599550798"/>
+              </p:ext>
+            </p:extLst>
+          </p:nvPr>
+        </p:nvGraphicFramePr>
+        <p:xfrm>
+          <a:off x="1074470" y="1616813"/>
+          <a:ext cx="3618310" cy="370840"/>
+        </p:xfrm>
+        <a:graphic>
+          <a:graphicData uri="http://schemas.openxmlformats.org/drawingml/2006/table">
+            <a:tbl>
+              <a:tblPr firstRow="1" bandRow="1">
+                <a:tableStyleId>{5C22544A-7EE6-4342-B048-85BDC9FD1C3A}</a:tableStyleId>
+              </a:tblPr>
+              <a:tblGrid>
+                <a:gridCol w="361831">
+                  <a:extLst>
+                    <a:ext uri="{9D8B030D-6E8A-4147-A177-3AD203B41FA5}">
+                      <a16:colId xmlns:a16="http://schemas.microsoft.com/office/drawing/2014/main" val="3210011047"/>
+                    </a:ext>
+                  </a:extLst>
+                </a:gridCol>
+                <a:gridCol w="361831">
+                  <a:extLst>
+                    <a:ext uri="{9D8B030D-6E8A-4147-A177-3AD203B41FA5}">
+                      <a16:colId xmlns:a16="http://schemas.microsoft.com/office/drawing/2014/main" val="278351125"/>
+                    </a:ext>
+                  </a:extLst>
+                </a:gridCol>
+                <a:gridCol w="361831">
+                  <a:extLst>
+                    <a:ext uri="{9D8B030D-6E8A-4147-A177-3AD203B41FA5}">
+                      <a16:colId xmlns:a16="http://schemas.microsoft.com/office/drawing/2014/main" val="584898247"/>
+                    </a:ext>
+                  </a:extLst>
+                </a:gridCol>
+                <a:gridCol w="361831">
+                  <a:extLst>
+                    <a:ext uri="{9D8B030D-6E8A-4147-A177-3AD203B41FA5}">
+                      <a16:colId xmlns:a16="http://schemas.microsoft.com/office/drawing/2014/main" val="3539813297"/>
+                    </a:ext>
+                  </a:extLst>
+                </a:gridCol>
+                <a:gridCol w="361831">
+                  <a:extLst>
+                    <a:ext uri="{9D8B030D-6E8A-4147-A177-3AD203B41FA5}">
+                      <a16:colId xmlns:a16="http://schemas.microsoft.com/office/drawing/2014/main" val="1061461210"/>
+                    </a:ext>
+                  </a:extLst>
+                </a:gridCol>
+                <a:gridCol w="361831">
+                  <a:extLst>
+                    <a:ext uri="{9D8B030D-6E8A-4147-A177-3AD203B41FA5}">
+                      <a16:colId xmlns:a16="http://schemas.microsoft.com/office/drawing/2014/main" val="17419109"/>
+                    </a:ext>
+                  </a:extLst>
+                </a:gridCol>
+                <a:gridCol w="361831">
+                  <a:extLst>
+                    <a:ext uri="{9D8B030D-6E8A-4147-A177-3AD203B41FA5}">
+                      <a16:colId xmlns:a16="http://schemas.microsoft.com/office/drawing/2014/main" val="2307881727"/>
+                    </a:ext>
+                  </a:extLst>
+                </a:gridCol>
+                <a:gridCol w="361831">
+                  <a:extLst>
+                    <a:ext uri="{9D8B030D-6E8A-4147-A177-3AD203B41FA5}">
+                      <a16:colId xmlns:a16="http://schemas.microsoft.com/office/drawing/2014/main" val="2656509618"/>
+                    </a:ext>
+                  </a:extLst>
+                </a:gridCol>
+                <a:gridCol w="361831">
+                  <a:extLst>
+                    <a:ext uri="{9D8B030D-6E8A-4147-A177-3AD203B41FA5}">
+                      <a16:colId xmlns:a16="http://schemas.microsoft.com/office/drawing/2014/main" val="3470078150"/>
+                    </a:ext>
+                  </a:extLst>
+                </a:gridCol>
+                <a:gridCol w="361831">
+                  <a:extLst>
+                    <a:ext uri="{9D8B030D-6E8A-4147-A177-3AD203B41FA5}">
+                      <a16:colId xmlns:a16="http://schemas.microsoft.com/office/drawing/2014/main" val="3224624530"/>
+                    </a:ext>
+                  </a:extLst>
+                </a:gridCol>
+              </a:tblGrid>
+              <a:tr h="370840">
+                <a:tc>
+                  <a:txBody>
+                    <a:bodyPr/>
+                    <a:lstStyle/>
+                    <a:p>
+                      <a:endParaRPr lang="en-HK"/>
+                    </a:p>
+                  </a:txBody>
+                  <a:tcPr>
+                    <a:lnL w="12700" cap="flat" cmpd="sng" algn="ctr">
+                      <a:solidFill>
+                        <a:schemeClr val="tx1"/>
+                      </a:solidFill>
+                      <a:prstDash val="solid"/>
+                      <a:round/>
+                      <a:headEnd type="none" w="med" len="med"/>
+                      <a:tailEnd type="none" w="med" len="med"/>
+                    </a:lnL>
+                    <a:lnR w="12700" cap="flat" cmpd="sng" algn="ctr">
+                      <a:solidFill>
+                        <a:schemeClr val="tx1"/>
+                      </a:solidFill>
+                      <a:prstDash val="solid"/>
+                      <a:round/>
+                      <a:headEnd type="none" w="med" len="med"/>
+                      <a:tailEnd type="none" w="med" len="med"/>
+                    </a:lnR>
+                    <a:lnT w="12700" cap="flat" cmpd="sng" algn="ctr">
+                      <a:solidFill>
+                        <a:schemeClr val="tx1"/>
+                      </a:solidFill>
+                      <a:prstDash val="solid"/>
+                      <a:round/>
+                      <a:headEnd type="none" w="med" len="med"/>
+                      <a:tailEnd type="none" w="med" len="med"/>
+                    </a:lnT>
+                    <a:lnB w="12700" cap="flat" cmpd="sng" algn="ctr">
+                      <a:solidFill>
+                        <a:schemeClr val="tx1"/>
+                      </a:solidFill>
+                      <a:prstDash val="solid"/>
+                      <a:round/>
+                      <a:headEnd type="none" w="med" len="med"/>
+                      <a:tailEnd type="none" w="med" len="med"/>
+                    </a:lnB>
+                    <a:solidFill>
+                      <a:schemeClr val="bg1"/>
+                    </a:solidFill>
+                  </a:tcPr>
+                </a:tc>
+                <a:tc>
+                  <a:txBody>
+                    <a:bodyPr/>
+                    <a:lstStyle/>
+                    <a:p>
+                      <a:endParaRPr lang="en-HK"/>
+                    </a:p>
+                  </a:txBody>
+                  <a:tcPr>
+                    <a:lnL w="12700" cap="flat" cmpd="sng" algn="ctr">
+                      <a:solidFill>
+                        <a:schemeClr val="tx1"/>
+                      </a:solidFill>
+                      <a:prstDash val="solid"/>
+                      <a:round/>
+                      <a:headEnd type="none" w="med" len="med"/>
+                      <a:tailEnd type="none" w="med" len="med"/>
+                    </a:lnL>
+                    <a:lnR w="12700" cap="flat" cmpd="sng" algn="ctr">
+                      <a:solidFill>
+                        <a:schemeClr val="tx1"/>
+                      </a:solidFill>
+                      <a:prstDash val="solid"/>
+                      <a:round/>
+                      <a:headEnd type="none" w="med" len="med"/>
+                      <a:tailEnd type="none" w="med" len="med"/>
+                    </a:lnR>
+                    <a:lnT w="12700" cap="flat" cmpd="sng" algn="ctr">
+                      <a:solidFill>
+                        <a:schemeClr val="tx1"/>
+                      </a:solidFill>
+                      <a:prstDash val="solid"/>
+                      <a:round/>
+                      <a:headEnd type="none" w="med" len="med"/>
+                      <a:tailEnd type="none" w="med" len="med"/>
+                    </a:lnT>
+                    <a:lnB w="12700" cap="flat" cmpd="sng" algn="ctr">
+                      <a:solidFill>
+                        <a:schemeClr val="tx1"/>
+                      </a:solidFill>
+                      <a:prstDash val="solid"/>
+                      <a:round/>
+                      <a:headEnd type="none" w="med" len="med"/>
+                      <a:tailEnd type="none" w="med" len="med"/>
+                    </a:lnB>
+                    <a:solidFill>
+                      <a:schemeClr val="bg1"/>
+                    </a:solidFill>
+                  </a:tcPr>
+                </a:tc>
+                <a:tc>
+                  <a:txBody>
+                    <a:bodyPr/>
+                    <a:lstStyle/>
+                    <a:p>
+                      <a:endParaRPr lang="en-HK" dirty="0"/>
+                    </a:p>
+                  </a:txBody>
+                  <a:tcPr>
+                    <a:lnL w="12700" cap="flat" cmpd="sng" algn="ctr">
+                      <a:solidFill>
+                        <a:schemeClr val="tx1"/>
+                      </a:solidFill>
+                      <a:prstDash val="solid"/>
+                      <a:round/>
+                      <a:headEnd type="none" w="med" len="med"/>
+                      <a:tailEnd type="none" w="med" len="med"/>
+                    </a:lnL>
+                    <a:lnR w="12700" cap="flat" cmpd="sng" algn="ctr">
+                      <a:solidFill>
+                        <a:schemeClr val="tx1"/>
+                      </a:solidFill>
+                      <a:prstDash val="solid"/>
+                      <a:round/>
+                      <a:headEnd type="none" w="med" len="med"/>
+                      <a:tailEnd type="none" w="med" len="med"/>
+                    </a:lnR>
+                    <a:lnT w="12700" cap="flat" cmpd="sng" algn="ctr">
+                      <a:solidFill>
+                        <a:schemeClr val="tx1"/>
+                      </a:solidFill>
+                      <a:prstDash val="solid"/>
+                      <a:round/>
+                      <a:headEnd type="none" w="med" len="med"/>
+                      <a:tailEnd type="none" w="med" len="med"/>
+                    </a:lnT>
+                    <a:lnB w="12700" cap="flat" cmpd="sng" algn="ctr">
+                      <a:solidFill>
+                        <a:schemeClr val="tx1"/>
+                      </a:solidFill>
+                      <a:prstDash val="solid"/>
+                      <a:round/>
+                      <a:headEnd type="none" w="med" len="med"/>
+                      <a:tailEnd type="none" w="med" len="med"/>
+                    </a:lnB>
+                    <a:solidFill>
+                      <a:schemeClr val="bg1"/>
+                    </a:solidFill>
+                  </a:tcPr>
+                </a:tc>
+                <a:tc>
+                  <a:txBody>
+                    <a:bodyPr/>
+                    <a:lstStyle/>
+                    <a:p>
+                      <a:endParaRPr lang="en-HK"/>
+                    </a:p>
+                  </a:txBody>
+                  <a:tcPr>
+                    <a:lnL w="12700" cap="flat" cmpd="sng" algn="ctr">
+                      <a:solidFill>
+                        <a:schemeClr val="tx1"/>
+                      </a:solidFill>
+                      <a:prstDash val="solid"/>
+                      <a:round/>
+                      <a:headEnd type="none" w="med" len="med"/>
+                      <a:tailEnd type="none" w="med" len="med"/>
+                    </a:lnL>
+                    <a:lnR w="12700" cap="flat" cmpd="sng" algn="ctr">
+                      <a:solidFill>
+                        <a:schemeClr val="tx1"/>
+                      </a:solidFill>
+                      <a:prstDash val="solid"/>
+                      <a:round/>
+                      <a:headEnd type="none" w="med" len="med"/>
+                      <a:tailEnd type="none" w="med" len="med"/>
+                    </a:lnR>
+                    <a:lnT w="12700" cap="flat" cmpd="sng" algn="ctr">
+                      <a:solidFill>
+                        <a:schemeClr val="tx1"/>
+                      </a:solidFill>
+                      <a:prstDash val="solid"/>
+                      <a:round/>
+                      <a:headEnd type="none" w="med" len="med"/>
+                      <a:tailEnd type="none" w="med" len="med"/>
+                    </a:lnT>
+                    <a:lnB w="12700" cap="flat" cmpd="sng" algn="ctr">
+                      <a:solidFill>
+                        <a:schemeClr val="tx1"/>
+                      </a:solidFill>
+                      <a:prstDash val="solid"/>
+                      <a:round/>
+                      <a:headEnd type="none" w="med" len="med"/>
+                      <a:tailEnd type="none" w="med" len="med"/>
+                    </a:lnB>
+                    <a:solidFill>
+                      <a:schemeClr val="bg1"/>
+                    </a:solidFill>
+                  </a:tcPr>
+                </a:tc>
+                <a:tc>
+                  <a:txBody>
+                    <a:bodyPr/>
+                    <a:lstStyle/>
+                    <a:p>
+                      <a:endParaRPr lang="en-HK" dirty="0">
+                        <a:highlight>
+                          <a:srgbClr val="FFFF00"/>
+                        </a:highlight>
+                      </a:endParaRPr>
+                    </a:p>
+                  </a:txBody>
+                  <a:tcPr>
+                    <a:lnL w="12700" cap="flat" cmpd="sng" algn="ctr">
+                      <a:solidFill>
+                        <a:schemeClr val="tx1"/>
+                      </a:solidFill>
+                      <a:prstDash val="solid"/>
+                      <a:round/>
+                      <a:headEnd type="none" w="med" len="med"/>
+                      <a:tailEnd type="none" w="med" len="med"/>
+                    </a:lnL>
+                    <a:lnR w="12700" cap="flat" cmpd="sng" algn="ctr">
+                      <a:solidFill>
+                        <a:schemeClr val="tx1"/>
+                      </a:solidFill>
+                      <a:prstDash val="solid"/>
+                      <a:round/>
+                      <a:headEnd type="none" w="med" len="med"/>
+                      <a:tailEnd type="none" w="med" len="med"/>
+                    </a:lnR>
+                    <a:lnT w="12700" cap="flat" cmpd="sng" algn="ctr">
+                      <a:solidFill>
+                        <a:schemeClr val="tx1"/>
+                      </a:solidFill>
+                      <a:prstDash val="solid"/>
+                      <a:round/>
+                      <a:headEnd type="none" w="med" len="med"/>
+                      <a:tailEnd type="none" w="med" len="med"/>
+                    </a:lnT>
+                    <a:lnB w="12700" cap="flat" cmpd="sng" algn="ctr">
+                      <a:solidFill>
+                        <a:schemeClr val="tx1"/>
+                      </a:solidFill>
+                      <a:prstDash val="solid"/>
+                      <a:round/>
+                      <a:headEnd type="none" w="med" len="med"/>
+                      <a:tailEnd type="none" w="med" len="med"/>
+                    </a:lnB>
+                    <a:solidFill>
+                      <a:schemeClr val="bg1"/>
+                    </a:solidFill>
+                  </a:tcPr>
+                </a:tc>
+                <a:tc>
+                  <a:txBody>
+                    <a:bodyPr/>
+                    <a:lstStyle/>
+                    <a:p>
+                      <a:endParaRPr lang="en-HK" dirty="0">
+                        <a:highlight>
+                          <a:srgbClr val="FFFF00"/>
+                        </a:highlight>
+                      </a:endParaRPr>
+                    </a:p>
+                  </a:txBody>
+                  <a:tcPr>
+                    <a:lnL w="12700" cap="flat" cmpd="sng" algn="ctr">
+                      <a:solidFill>
+                        <a:schemeClr val="tx1"/>
+                      </a:solidFill>
+                      <a:prstDash val="solid"/>
+                      <a:round/>
+                      <a:headEnd type="none" w="med" len="med"/>
+                      <a:tailEnd type="none" w="med" len="med"/>
+                    </a:lnL>
+                    <a:lnR w="12700" cap="flat" cmpd="sng" algn="ctr">
+                      <a:solidFill>
+                        <a:schemeClr val="tx1"/>
+                      </a:solidFill>
+                      <a:prstDash val="solid"/>
+                      <a:round/>
+                      <a:headEnd type="none" w="med" len="med"/>
+                      <a:tailEnd type="none" w="med" len="med"/>
+                    </a:lnR>
+                    <a:lnT w="12700" cap="flat" cmpd="sng" algn="ctr">
+                      <a:solidFill>
+                        <a:schemeClr val="tx1"/>
+                      </a:solidFill>
+                      <a:prstDash val="solid"/>
+                      <a:round/>
+                      <a:headEnd type="none" w="med" len="med"/>
+                      <a:tailEnd type="none" w="med" len="med"/>
+                    </a:lnT>
+                    <a:lnB w="12700" cap="flat" cmpd="sng" algn="ctr">
+                      <a:solidFill>
+                        <a:schemeClr val="tx1"/>
+                      </a:solidFill>
+                      <a:prstDash val="solid"/>
+                      <a:round/>
+                      <a:headEnd type="none" w="med" len="med"/>
+                      <a:tailEnd type="none" w="med" len="med"/>
+                    </a:lnB>
+                    <a:solidFill>
+                      <a:schemeClr val="accent2"/>
+                    </a:solidFill>
+                  </a:tcPr>
+                </a:tc>
+                <a:tc>
+                  <a:txBody>
+                    <a:bodyPr/>
+                    <a:lstStyle/>
+                    <a:p>
+                      <a:endParaRPr lang="en-HK" dirty="0">
+                        <a:solidFill>
+                          <a:srgbClr val="FF0000"/>
+                        </a:solidFill>
+                        <a:highlight>
+                          <a:srgbClr val="FFFF00"/>
+                        </a:highlight>
+                      </a:endParaRPr>
+                    </a:p>
+                  </a:txBody>
+                  <a:tcPr>
+                    <a:lnL w="12700" cap="flat" cmpd="sng" algn="ctr">
+                      <a:solidFill>
+                        <a:schemeClr val="tx1"/>
+                      </a:solidFill>
+                      <a:prstDash val="solid"/>
+                      <a:round/>
+                      <a:headEnd type="none" w="med" len="med"/>
+                      <a:tailEnd type="none" w="med" len="med"/>
+                    </a:lnL>
+                    <a:lnR w="12700" cap="flat" cmpd="sng" algn="ctr">
+                      <a:solidFill>
+                        <a:schemeClr val="tx1"/>
+                      </a:solidFill>
+                      <a:prstDash val="solid"/>
+                      <a:round/>
+                      <a:headEnd type="none" w="med" len="med"/>
+                      <a:tailEnd type="none" w="med" len="med"/>
+                    </a:lnR>
+                    <a:lnT w="12700" cap="flat" cmpd="sng" algn="ctr">
+                      <a:solidFill>
+                        <a:schemeClr val="tx1"/>
+                      </a:solidFill>
+                      <a:prstDash val="solid"/>
+                      <a:round/>
+                      <a:headEnd type="none" w="med" len="med"/>
+                      <a:tailEnd type="none" w="med" len="med"/>
+                    </a:lnT>
+                    <a:lnB w="12700" cap="flat" cmpd="sng" algn="ctr">
+                      <a:solidFill>
+                        <a:schemeClr val="tx1"/>
+                      </a:solidFill>
+                      <a:prstDash val="solid"/>
+                      <a:round/>
+                      <a:headEnd type="none" w="med" len="med"/>
+                      <a:tailEnd type="none" w="med" len="med"/>
+                    </a:lnB>
+                    <a:solidFill>
+                      <a:schemeClr val="accent3"/>
+                    </a:solidFill>
+                  </a:tcPr>
+                </a:tc>
+                <a:tc>
+                  <a:txBody>
+                    <a:bodyPr/>
+                    <a:lstStyle/>
+                    <a:p>
+                      <a:endParaRPr lang="en-HK" dirty="0"/>
+                    </a:p>
+                  </a:txBody>
+                  <a:tcPr>
+                    <a:lnL w="12700" cap="flat" cmpd="sng" algn="ctr">
+                      <a:solidFill>
+                        <a:schemeClr val="tx1"/>
+                      </a:solidFill>
+                      <a:prstDash val="solid"/>
+                      <a:round/>
+                      <a:headEnd type="none" w="med" len="med"/>
+                      <a:tailEnd type="none" w="med" len="med"/>
+                    </a:lnL>
+                    <a:lnR w="12700" cap="flat" cmpd="sng" algn="ctr">
+                      <a:solidFill>
+                        <a:schemeClr val="tx1"/>
+                      </a:solidFill>
+                      <a:prstDash val="solid"/>
+                      <a:round/>
+                      <a:headEnd type="none" w="med" len="med"/>
+                      <a:tailEnd type="none" w="med" len="med"/>
+                    </a:lnR>
+                    <a:lnT w="12700" cap="flat" cmpd="sng" algn="ctr">
+                      <a:solidFill>
+                        <a:schemeClr val="tx1"/>
+                      </a:solidFill>
+                      <a:prstDash val="solid"/>
+                      <a:round/>
+                      <a:headEnd type="none" w="med" len="med"/>
+                      <a:tailEnd type="none" w="med" len="med"/>
+                    </a:lnT>
+                    <a:lnB w="12700" cap="flat" cmpd="sng" algn="ctr">
+                      <a:solidFill>
+                        <a:schemeClr val="tx1"/>
+                      </a:solidFill>
+                      <a:prstDash val="solid"/>
+                      <a:round/>
+                      <a:headEnd type="none" w="med" len="med"/>
+                      <a:tailEnd type="none" w="med" len="med"/>
+                    </a:lnB>
+                    <a:solidFill>
+                      <a:schemeClr val="bg1"/>
+                    </a:solidFill>
+                  </a:tcPr>
+                </a:tc>
+                <a:tc>
+                  <a:txBody>
+                    <a:bodyPr/>
+                    <a:lstStyle/>
+                    <a:p>
+                      <a:endParaRPr lang="en-HK" dirty="0"/>
+                    </a:p>
+                  </a:txBody>
+                  <a:tcPr>
+                    <a:lnL w="12700" cap="flat" cmpd="sng" algn="ctr">
+                      <a:solidFill>
+                        <a:schemeClr val="tx1"/>
+                      </a:solidFill>
+                      <a:prstDash val="solid"/>
+                      <a:round/>
+                      <a:headEnd type="none" w="med" len="med"/>
+                      <a:tailEnd type="none" w="med" len="med"/>
+                    </a:lnL>
+                    <a:lnR w="12700" cap="flat" cmpd="sng" algn="ctr">
+                      <a:solidFill>
+                        <a:schemeClr val="tx1"/>
+                      </a:solidFill>
+                      <a:prstDash val="solid"/>
+                      <a:round/>
+                      <a:headEnd type="none" w="med" len="med"/>
+                      <a:tailEnd type="none" w="med" len="med"/>
+                    </a:lnR>
+                    <a:lnT w="12700" cap="flat" cmpd="sng" algn="ctr">
+                      <a:solidFill>
+                        <a:schemeClr val="tx1"/>
+                      </a:solidFill>
+                      <a:prstDash val="solid"/>
+                      <a:round/>
+                      <a:headEnd type="none" w="med" len="med"/>
+                      <a:tailEnd type="none" w="med" len="med"/>
+                    </a:lnT>
+                    <a:lnB w="12700" cap="flat" cmpd="sng" algn="ctr">
+                      <a:solidFill>
+                        <a:schemeClr val="tx1"/>
+                      </a:solidFill>
+                      <a:prstDash val="solid"/>
+                      <a:round/>
+                      <a:headEnd type="none" w="med" len="med"/>
+                      <a:tailEnd type="none" w="med" len="med"/>
+                    </a:lnB>
+                    <a:solidFill>
+                      <a:srgbClr val="FF0000"/>
+                    </a:solidFill>
+                  </a:tcPr>
+                </a:tc>
+                <a:tc>
+                  <a:txBody>
+                    <a:bodyPr/>
+                    <a:lstStyle/>
+                    <a:p>
+                      <a:endParaRPr lang="en-HK" dirty="0"/>
+                    </a:p>
+                  </a:txBody>
+                  <a:tcPr>
+                    <a:lnL w="12700" cap="flat" cmpd="sng" algn="ctr">
+                      <a:solidFill>
+                        <a:schemeClr val="tx1"/>
+                      </a:solidFill>
+                      <a:prstDash val="solid"/>
+                      <a:round/>
+                      <a:headEnd type="none" w="med" len="med"/>
+                      <a:tailEnd type="none" w="med" len="med"/>
+                    </a:lnL>
+                    <a:lnR w="12700" cap="flat" cmpd="sng" algn="ctr">
+                      <a:solidFill>
+                        <a:schemeClr val="tx1"/>
+                      </a:solidFill>
+                      <a:prstDash val="solid"/>
+                      <a:round/>
+                      <a:headEnd type="none" w="med" len="med"/>
+                      <a:tailEnd type="none" w="med" len="med"/>
+                    </a:lnR>
+                    <a:lnT w="12700" cap="flat" cmpd="sng" algn="ctr">
+                      <a:solidFill>
+                        <a:schemeClr val="tx1"/>
+                      </a:solidFill>
+                      <a:prstDash val="solid"/>
+                      <a:round/>
+                      <a:headEnd type="none" w="med" len="med"/>
+                      <a:tailEnd type="none" w="med" len="med"/>
+                    </a:lnT>
+                    <a:lnB w="12700" cap="flat" cmpd="sng" algn="ctr">
+                      <a:solidFill>
+                        <a:schemeClr val="tx1"/>
+                      </a:solidFill>
+                      <a:prstDash val="solid"/>
+                      <a:round/>
+                      <a:headEnd type="none" w="med" len="med"/>
+                      <a:tailEnd type="none" w="med" len="med"/>
+                    </a:lnB>
+                    <a:solidFill>
+                      <a:srgbClr val="FF0000"/>
+                    </a:solidFill>
+                  </a:tcPr>
+                </a:tc>
+                <a:extLst>
+                  <a:ext uri="{0D108BD9-81ED-4DB2-BD59-A6C34878D82A}">
+                    <a16:rowId xmlns:a16="http://schemas.microsoft.com/office/drawing/2014/main" val="633849950"/>
+                  </a:ext>
+                </a:extLst>
+              </a:tr>
+            </a:tbl>
+          </a:graphicData>
+        </a:graphic>
+      </p:graphicFrame>
+      <p:cxnSp>
+        <p:nvCxnSpPr>
+          <p:cNvPr id="9" name="Straight Arrow Connector 8">
+            <a:extLst>
+              <a:ext uri="{FF2B5EF4-FFF2-40B4-BE49-F238E27FC236}">
+                <a16:creationId xmlns:a16="http://schemas.microsoft.com/office/drawing/2014/main" id="{9AD1659F-9AF6-148E-736C-F2314A720838}"/>
+              </a:ext>
+            </a:extLst>
+          </p:cNvPr>
+          <p:cNvCxnSpPr>
+            <a:cxnSpLocks/>
+          </p:cNvCxnSpPr>
+          <p:nvPr/>
+        </p:nvCxnSpPr>
+        <p:spPr>
+          <a:xfrm flipH="1" flipV="1">
+            <a:off x="3264660" y="2090140"/>
+            <a:ext cx="229235" cy="620319"/>
+          </a:xfrm>
+          <a:prstGeom prst="straightConnector1">
+            <a:avLst/>
+          </a:prstGeom>
+          <a:ln>
+            <a:tailEnd type="triangle"/>
+          </a:ln>
+        </p:spPr>
+        <p:style>
+          <a:lnRef idx="2">
+            <a:schemeClr val="accent1"/>
+          </a:lnRef>
+          <a:fillRef idx="0">
+            <a:schemeClr val="accent1"/>
+          </a:fillRef>
+          <a:effectRef idx="1">
+            <a:schemeClr val="accent1"/>
+          </a:effectRef>
+          <a:fontRef idx="minor">
+            <a:schemeClr val="tx1"/>
+          </a:fontRef>
+        </p:style>
+      </p:cxnSp>
+      <p:cxnSp>
+        <p:nvCxnSpPr>
+          <p:cNvPr id="10" name="Straight Arrow Connector 9">
+            <a:extLst>
+              <a:ext uri="{FF2B5EF4-FFF2-40B4-BE49-F238E27FC236}">
+                <a16:creationId xmlns:a16="http://schemas.microsoft.com/office/drawing/2014/main" id="{4F41614A-D097-AF44-621F-5DD718B54FEF}"/>
+              </a:ext>
+            </a:extLst>
+          </p:cNvPr>
+          <p:cNvCxnSpPr/>
+          <p:nvPr/>
+        </p:nvCxnSpPr>
+        <p:spPr>
+          <a:xfrm>
+            <a:off x="1977367" y="1061048"/>
+            <a:ext cx="0" cy="431321"/>
+          </a:xfrm>
+          <a:prstGeom prst="straightConnector1">
+            <a:avLst/>
+          </a:prstGeom>
+          <a:ln>
+            <a:tailEnd type="triangle"/>
+          </a:ln>
+        </p:spPr>
+        <p:style>
+          <a:lnRef idx="2">
+            <a:schemeClr val="accent1"/>
+          </a:lnRef>
+          <a:fillRef idx="0">
+            <a:schemeClr val="accent1"/>
+          </a:fillRef>
+          <a:effectRef idx="1">
+            <a:schemeClr val="accent1"/>
+          </a:effectRef>
+          <a:fontRef idx="minor">
+            <a:schemeClr val="tx1"/>
+          </a:fontRef>
+        </p:style>
+      </p:cxnSp>
+      <p:cxnSp>
+        <p:nvCxnSpPr>
+          <p:cNvPr id="11" name="Straight Arrow Connector 10">
+            <a:extLst>
+              <a:ext uri="{FF2B5EF4-FFF2-40B4-BE49-F238E27FC236}">
+                <a16:creationId xmlns:a16="http://schemas.microsoft.com/office/drawing/2014/main" id="{3173E121-5B3A-C279-CF70-96EFCFF7D3E8}"/>
+              </a:ext>
+            </a:extLst>
+          </p:cNvPr>
+          <p:cNvCxnSpPr>
+            <a:cxnSpLocks/>
+          </p:cNvCxnSpPr>
+          <p:nvPr/>
+        </p:nvCxnSpPr>
+        <p:spPr>
+          <a:xfrm flipV="1">
+            <a:off x="2883622" y="2130725"/>
+            <a:ext cx="0" cy="539151"/>
+          </a:xfrm>
+          <a:prstGeom prst="straightConnector1">
+            <a:avLst/>
+          </a:prstGeom>
+          <a:ln>
+            <a:tailEnd type="triangle"/>
+          </a:ln>
+        </p:spPr>
+        <p:style>
+          <a:lnRef idx="2">
+            <a:schemeClr val="accent1"/>
+          </a:lnRef>
+          <a:fillRef idx="0">
+            <a:schemeClr val="accent1"/>
+          </a:fillRef>
+          <a:effectRef idx="1">
+            <a:schemeClr val="accent1"/>
+          </a:effectRef>
+          <a:fontRef idx="minor">
+            <a:schemeClr val="tx1"/>
+          </a:fontRef>
+        </p:style>
+      </p:cxnSp>
+      <p:cxnSp>
+        <p:nvCxnSpPr>
+          <p:cNvPr id="12" name="Straight Arrow Connector 11">
+            <a:extLst>
+              <a:ext uri="{FF2B5EF4-FFF2-40B4-BE49-F238E27FC236}">
+                <a16:creationId xmlns:a16="http://schemas.microsoft.com/office/drawing/2014/main" id="{395D011B-1501-7513-EBC2-50D5132D25F2}"/>
+              </a:ext>
+            </a:extLst>
+          </p:cNvPr>
+          <p:cNvCxnSpPr/>
+          <p:nvPr/>
+        </p:nvCxnSpPr>
+        <p:spPr>
+          <a:xfrm>
+            <a:off x="3604406" y="1104177"/>
+            <a:ext cx="0" cy="431321"/>
+          </a:xfrm>
+          <a:prstGeom prst="straightConnector1">
+            <a:avLst/>
+          </a:prstGeom>
+          <a:ln>
+            <a:tailEnd type="triangle"/>
+          </a:ln>
+        </p:spPr>
+        <p:style>
+          <a:lnRef idx="2">
+            <a:schemeClr val="accent1"/>
+          </a:lnRef>
+          <a:fillRef idx="0">
+            <a:schemeClr val="accent1"/>
+          </a:fillRef>
+          <a:effectRef idx="1">
+            <a:schemeClr val="accent1"/>
+          </a:effectRef>
+          <a:fontRef idx="minor">
+            <a:schemeClr val="tx1"/>
+          </a:fontRef>
+        </p:style>
+      </p:cxnSp>
+      <p:sp>
+        <p:nvSpPr>
+          <p:cNvPr id="13" name="TextBox 12">
+            <a:extLst>
+              <a:ext uri="{FF2B5EF4-FFF2-40B4-BE49-F238E27FC236}">
+                <a16:creationId xmlns:a16="http://schemas.microsoft.com/office/drawing/2014/main" id="{F84840F2-62ED-6676-E53B-B6979ECD5EAE}"/>
+              </a:ext>
+            </a:extLst>
+          </p:cNvPr>
+          <p:cNvSpPr txBox="1"/>
+          <p:nvPr/>
+        </p:nvSpPr>
+        <p:spPr>
+          <a:xfrm>
+            <a:off x="2147977" y="1190445"/>
+            <a:ext cx="308098" cy="369332"/>
+          </a:xfrm>
+          <a:prstGeom prst="rect">
+            <a:avLst/>
+          </a:prstGeom>
+          <a:noFill/>
+        </p:spPr>
+        <p:txBody>
+          <a:bodyPr wrap="none" rtlCol="0">
+            <a:spAutoFit/>
+          </a:bodyPr>
+          <a:lstStyle/>
+          <a:p>
+            <a:r>
+              <a:rPr lang="en-HK" dirty="0"/>
+              <a:t>2</a:t>
+            </a:r>
+          </a:p>
+        </p:txBody>
+      </p:sp>
+      <p:sp>
+        <p:nvSpPr>
+          <p:cNvPr id="14" name="TextBox 13">
+            <a:extLst>
+              <a:ext uri="{FF2B5EF4-FFF2-40B4-BE49-F238E27FC236}">
+                <a16:creationId xmlns:a16="http://schemas.microsoft.com/office/drawing/2014/main" id="{3CBA936F-D3DF-FC30-D72D-A89C43495ED9}"/>
+              </a:ext>
+            </a:extLst>
+          </p:cNvPr>
+          <p:cNvSpPr txBox="1"/>
+          <p:nvPr/>
+        </p:nvSpPr>
+        <p:spPr>
+          <a:xfrm>
+            <a:off x="2883622" y="752096"/>
+            <a:ext cx="1690206" cy="369332"/>
+          </a:xfrm>
+          <a:prstGeom prst="rect">
+            <a:avLst/>
+          </a:prstGeom>
+          <a:noFill/>
+        </p:spPr>
+        <p:txBody>
+          <a:bodyPr wrap="none" rtlCol="0">
+            <a:spAutoFit/>
+          </a:bodyPr>
+          <a:lstStyle/>
+          <a:p>
+            <a:r>
+              <a:rPr lang="en-HK" dirty="0"/>
+              <a:t>2 </a:t>
+            </a:r>
+            <a:r>
+              <a:rPr lang="en-US" altLang="zh-CN" dirty="0"/>
+              <a:t>starts service</a:t>
+            </a:r>
+            <a:endParaRPr lang="en-HK" dirty="0"/>
+          </a:p>
+        </p:txBody>
+      </p:sp>
+      <p:sp>
+        <p:nvSpPr>
+          <p:cNvPr id="15" name="TextBox 14">
+            <a:extLst>
+              <a:ext uri="{FF2B5EF4-FFF2-40B4-BE49-F238E27FC236}">
+                <a16:creationId xmlns:a16="http://schemas.microsoft.com/office/drawing/2014/main" id="{57CEE510-9DC4-88C9-EF54-CE59C4544B42}"/>
+              </a:ext>
+            </a:extLst>
+          </p:cNvPr>
+          <p:cNvSpPr txBox="1"/>
+          <p:nvPr/>
+        </p:nvSpPr>
+        <p:spPr>
+          <a:xfrm>
+            <a:off x="2883622" y="2254436"/>
+            <a:ext cx="308098" cy="369332"/>
+          </a:xfrm>
+          <a:prstGeom prst="rect">
+            <a:avLst/>
+          </a:prstGeom>
+          <a:noFill/>
+        </p:spPr>
+        <p:txBody>
+          <a:bodyPr wrap="none" rtlCol="0">
+            <a:spAutoFit/>
+          </a:bodyPr>
+          <a:lstStyle/>
+          <a:p>
+            <a:r>
+              <a:rPr lang="en-HK" dirty="0"/>
+              <a:t>3</a:t>
+            </a:r>
+          </a:p>
+        </p:txBody>
+      </p:sp>
+      <p:sp>
+        <p:nvSpPr>
+          <p:cNvPr id="16" name="TextBox 15">
+            <a:extLst>
+              <a:ext uri="{FF2B5EF4-FFF2-40B4-BE49-F238E27FC236}">
+                <a16:creationId xmlns:a16="http://schemas.microsoft.com/office/drawing/2014/main" id="{CBCABB9C-A0B1-2764-3D89-91FE34914A29}"/>
+              </a:ext>
+            </a:extLst>
+          </p:cNvPr>
+          <p:cNvSpPr txBox="1"/>
+          <p:nvPr/>
+        </p:nvSpPr>
+        <p:spPr>
+          <a:xfrm>
+            <a:off x="2765008" y="1232427"/>
+            <a:ext cx="553357" cy="369332"/>
+          </a:xfrm>
+          <a:prstGeom prst="rect">
+            <a:avLst/>
+          </a:prstGeom>
+          <a:noFill/>
+        </p:spPr>
+        <p:txBody>
+          <a:bodyPr wrap="none" rtlCol="0">
+            <a:spAutoFit/>
+          </a:bodyPr>
+          <a:lstStyle/>
+          <a:p>
+            <a:r>
+              <a:rPr lang="en-HK" dirty="0"/>
+              <a:t>W</a:t>
+            </a:r>
+            <a:r>
+              <a:rPr lang="en-HK" sz="1050" dirty="0"/>
+              <a:t>23</a:t>
+            </a:r>
+            <a:endParaRPr lang="en-HK" dirty="0"/>
+          </a:p>
+        </p:txBody>
+      </p:sp>
+      <p:sp>
+        <p:nvSpPr>
+          <p:cNvPr id="20" name="TextBox 19">
+            <a:extLst>
+              <a:ext uri="{FF2B5EF4-FFF2-40B4-BE49-F238E27FC236}">
+                <a16:creationId xmlns:a16="http://schemas.microsoft.com/office/drawing/2014/main" id="{A70FF537-B639-7429-3827-0881B8077485}"/>
+              </a:ext>
+            </a:extLst>
+          </p:cNvPr>
+          <p:cNvSpPr txBox="1"/>
+          <p:nvPr/>
+        </p:nvSpPr>
+        <p:spPr>
+          <a:xfrm>
+            <a:off x="3812207" y="2112097"/>
+            <a:ext cx="534121" cy="369332"/>
+          </a:xfrm>
+          <a:prstGeom prst="rect">
+            <a:avLst/>
+          </a:prstGeom>
+          <a:noFill/>
+        </p:spPr>
+        <p:txBody>
+          <a:bodyPr wrap="none" rtlCol="0">
+            <a:spAutoFit/>
+          </a:bodyPr>
+          <a:lstStyle/>
+          <a:p>
+            <a:r>
+              <a:rPr lang="en-HK" dirty="0"/>
+              <a:t>W</a:t>
+            </a:r>
+            <a:r>
+              <a:rPr lang="en-HK" sz="1050" dirty="0"/>
+              <a:t>34</a:t>
+            </a:r>
+            <a:endParaRPr lang="en-HK" dirty="0"/>
+          </a:p>
+        </p:txBody>
+      </p:sp>
+      <p:sp>
+        <p:nvSpPr>
+          <p:cNvPr id="25" name="TextBox 24">
+            <a:extLst>
+              <a:ext uri="{FF2B5EF4-FFF2-40B4-BE49-F238E27FC236}">
+                <a16:creationId xmlns:a16="http://schemas.microsoft.com/office/drawing/2014/main" id="{DFF06380-C6A2-66FF-2A12-15DA792B4F05}"/>
+              </a:ext>
+            </a:extLst>
+          </p:cNvPr>
+          <p:cNvSpPr txBox="1"/>
+          <p:nvPr/>
+        </p:nvSpPr>
+        <p:spPr>
+          <a:xfrm>
+            <a:off x="4775630" y="1152418"/>
+            <a:ext cx="1690206" cy="369332"/>
+          </a:xfrm>
+          <a:prstGeom prst="rect">
+            <a:avLst/>
+          </a:prstGeom>
+          <a:noFill/>
+        </p:spPr>
+        <p:txBody>
+          <a:bodyPr wrap="none" rtlCol="0">
+            <a:spAutoFit/>
+          </a:bodyPr>
+          <a:lstStyle/>
+          <a:p>
+            <a:r>
+              <a:rPr lang="en-HK" dirty="0"/>
+              <a:t>3 </a:t>
+            </a:r>
+            <a:r>
+              <a:rPr lang="en-US" altLang="zh-CN" dirty="0"/>
+              <a:t>starts service</a:t>
+            </a:r>
+            <a:endParaRPr lang="en-HK" dirty="0"/>
+          </a:p>
+        </p:txBody>
+      </p:sp>
+      <p:cxnSp>
+        <p:nvCxnSpPr>
+          <p:cNvPr id="30" name="Straight Arrow Connector 29">
+            <a:extLst>
+              <a:ext uri="{FF2B5EF4-FFF2-40B4-BE49-F238E27FC236}">
+                <a16:creationId xmlns:a16="http://schemas.microsoft.com/office/drawing/2014/main" id="{B1DA842A-0AA2-5007-ECF5-600E531476E1}"/>
+              </a:ext>
+            </a:extLst>
+          </p:cNvPr>
+          <p:cNvCxnSpPr/>
+          <p:nvPr/>
+        </p:nvCxnSpPr>
+        <p:spPr>
+          <a:xfrm>
+            <a:off x="4692780" y="1061048"/>
+            <a:ext cx="0" cy="431321"/>
+          </a:xfrm>
+          <a:prstGeom prst="straightConnector1">
+            <a:avLst/>
+          </a:prstGeom>
+          <a:ln>
+            <a:tailEnd type="triangle"/>
+          </a:ln>
+        </p:spPr>
+        <p:style>
+          <a:lnRef idx="2">
+            <a:schemeClr val="accent1"/>
+          </a:lnRef>
+          <a:fillRef idx="0">
+            <a:schemeClr val="accent1"/>
+          </a:fillRef>
+          <a:effectRef idx="1">
+            <a:schemeClr val="accent1"/>
+          </a:effectRef>
+          <a:fontRef idx="minor">
+            <a:schemeClr val="tx1"/>
+          </a:fontRef>
+        </p:style>
+      </p:cxnSp>
+      <p:sp>
+        <p:nvSpPr>
+          <p:cNvPr id="34" name="TextBox 33">
+            <a:extLst>
+              <a:ext uri="{FF2B5EF4-FFF2-40B4-BE49-F238E27FC236}">
+                <a16:creationId xmlns:a16="http://schemas.microsoft.com/office/drawing/2014/main" id="{FE4F6352-0116-0D4C-EFD0-86C43D84332F}"/>
+              </a:ext>
+            </a:extLst>
+          </p:cNvPr>
+          <p:cNvSpPr txBox="1"/>
+          <p:nvPr/>
+        </p:nvSpPr>
+        <p:spPr>
+          <a:xfrm>
+            <a:off x="3368200" y="2623768"/>
+            <a:ext cx="308098" cy="369332"/>
+          </a:xfrm>
+          <a:prstGeom prst="rect">
+            <a:avLst/>
+          </a:prstGeom>
+          <a:noFill/>
+        </p:spPr>
+        <p:txBody>
+          <a:bodyPr wrap="none" rtlCol="0">
+            <a:spAutoFit/>
+          </a:bodyPr>
+          <a:lstStyle/>
+          <a:p>
+            <a:r>
+              <a:rPr lang="en-HK" dirty="0"/>
+              <a:t>4</a:t>
+            </a:r>
+          </a:p>
+        </p:txBody>
+      </p:sp>
+      <p:sp>
+        <p:nvSpPr>
+          <p:cNvPr id="35" name="TextBox 34">
+            <a:extLst>
+              <a:ext uri="{FF2B5EF4-FFF2-40B4-BE49-F238E27FC236}">
+                <a16:creationId xmlns:a16="http://schemas.microsoft.com/office/drawing/2014/main" id="{1AAEC553-B4F1-61AC-5A7E-39BB8CAC0298}"/>
+              </a:ext>
+            </a:extLst>
+          </p:cNvPr>
+          <p:cNvSpPr txBox="1"/>
+          <p:nvPr/>
+        </p:nvSpPr>
+        <p:spPr>
+          <a:xfrm>
+            <a:off x="3308418" y="2013412"/>
+            <a:ext cx="534121" cy="369332"/>
+          </a:xfrm>
+          <a:prstGeom prst="rect">
+            <a:avLst/>
+          </a:prstGeom>
+          <a:noFill/>
+        </p:spPr>
+        <p:txBody>
+          <a:bodyPr wrap="none" rtlCol="0">
+            <a:spAutoFit/>
+          </a:bodyPr>
+          <a:lstStyle/>
+          <a:p>
+            <a:r>
+              <a:rPr lang="en-HK" dirty="0"/>
+              <a:t>W</a:t>
+            </a:r>
+            <a:r>
+              <a:rPr lang="en-HK" sz="1050" dirty="0"/>
+              <a:t>24</a:t>
+            </a:r>
+            <a:endParaRPr lang="en-HK" dirty="0"/>
+          </a:p>
+        </p:txBody>
+      </p:sp>
+      <p:sp>
+        <p:nvSpPr>
+          <p:cNvPr id="36" name="TextBox 35">
+            <a:extLst>
+              <a:ext uri="{FF2B5EF4-FFF2-40B4-BE49-F238E27FC236}">
+                <a16:creationId xmlns:a16="http://schemas.microsoft.com/office/drawing/2014/main" id="{69474E02-028A-29E2-4DA0-62A36FBEDF80}"/>
+              </a:ext>
+            </a:extLst>
+          </p:cNvPr>
+          <p:cNvSpPr txBox="1"/>
+          <p:nvPr/>
+        </p:nvSpPr>
+        <p:spPr>
+          <a:xfrm>
+            <a:off x="1415078" y="2300544"/>
+            <a:ext cx="1061509" cy="369332"/>
+          </a:xfrm>
+          <a:prstGeom prst="rect">
+            <a:avLst/>
+          </a:prstGeom>
+          <a:noFill/>
+        </p:spPr>
+        <p:txBody>
+          <a:bodyPr wrap="none" rtlCol="0">
+            <a:spAutoFit/>
+          </a:bodyPr>
+          <a:lstStyle/>
+          <a:p>
+            <a:r>
+              <a:rPr lang="en-US" altLang="zh-CN" dirty="0"/>
+              <a:t>W</a:t>
+            </a:r>
+            <a:r>
+              <a:rPr lang="en-US" altLang="zh-CN" sz="1100" dirty="0"/>
+              <a:t>23</a:t>
+            </a:r>
+            <a:r>
+              <a:rPr lang="en-US" altLang="zh-CN" dirty="0"/>
+              <a:t> - </a:t>
+            </a:r>
+            <a:r>
+              <a:rPr lang="en-HK" dirty="0"/>
+              <a:t>W</a:t>
+            </a:r>
+            <a:r>
+              <a:rPr lang="en-HK" sz="1050" dirty="0"/>
+              <a:t>24</a:t>
+            </a:r>
+            <a:endParaRPr lang="en-HK" dirty="0"/>
+          </a:p>
+        </p:txBody>
+      </p:sp>
+      <p:cxnSp>
+        <p:nvCxnSpPr>
+          <p:cNvPr id="37" name="Straight Arrow Connector 36">
+            <a:extLst>
+              <a:ext uri="{FF2B5EF4-FFF2-40B4-BE49-F238E27FC236}">
+                <a16:creationId xmlns:a16="http://schemas.microsoft.com/office/drawing/2014/main" id="{A0FBDEE2-BE33-9927-5C8B-4721E4332D5D}"/>
+              </a:ext>
+            </a:extLst>
+          </p:cNvPr>
+          <p:cNvCxnSpPr>
+            <a:cxnSpLocks/>
+          </p:cNvCxnSpPr>
+          <p:nvPr/>
+        </p:nvCxnSpPr>
+        <p:spPr>
+          <a:xfrm flipV="1">
+            <a:off x="2498466" y="2013412"/>
+            <a:ext cx="308457" cy="369332"/>
+          </a:xfrm>
+          <a:prstGeom prst="straightConnector1">
+            <a:avLst/>
+          </a:prstGeom>
+          <a:ln>
+            <a:tailEnd type="triangle"/>
+          </a:ln>
+        </p:spPr>
+        <p:style>
+          <a:lnRef idx="2">
+            <a:schemeClr val="accent1"/>
+          </a:lnRef>
+          <a:fillRef idx="0">
+            <a:schemeClr val="accent1"/>
+          </a:fillRef>
+          <a:effectRef idx="1">
+            <a:schemeClr val="accent1"/>
+          </a:effectRef>
+          <a:fontRef idx="minor">
+            <a:schemeClr val="tx1"/>
+          </a:fontRef>
+        </p:style>
+      </p:cxnSp>
+      <p:sp>
+        <p:nvSpPr>
+          <p:cNvPr id="39" name="TextBox 38">
+            <a:extLst>
+              <a:ext uri="{FF2B5EF4-FFF2-40B4-BE49-F238E27FC236}">
+                <a16:creationId xmlns:a16="http://schemas.microsoft.com/office/drawing/2014/main" id="{26866A32-6DC1-1517-BB5D-FA5B501AFCE0}"/>
+              </a:ext>
+            </a:extLst>
+          </p:cNvPr>
+          <p:cNvSpPr txBox="1"/>
+          <p:nvPr/>
+        </p:nvSpPr>
+        <p:spPr>
+          <a:xfrm>
+            <a:off x="2923016" y="3426827"/>
+            <a:ext cx="1061509" cy="369332"/>
+          </a:xfrm>
+          <a:prstGeom prst="rect">
+            <a:avLst/>
+          </a:prstGeom>
+          <a:noFill/>
+        </p:spPr>
+        <p:txBody>
+          <a:bodyPr wrap="none" rtlCol="0">
+            <a:spAutoFit/>
+          </a:bodyPr>
+          <a:lstStyle/>
+          <a:p>
+            <a:r>
+              <a:rPr lang="en-US" altLang="zh-CN" dirty="0"/>
+              <a:t>W</a:t>
+            </a:r>
+            <a:r>
+              <a:rPr lang="en-US" altLang="zh-CN" sz="1100" dirty="0"/>
+              <a:t>23</a:t>
+            </a:r>
+            <a:r>
+              <a:rPr lang="en-US" altLang="zh-CN" dirty="0"/>
+              <a:t> - </a:t>
+            </a:r>
+            <a:r>
+              <a:rPr lang="en-HK" dirty="0"/>
+              <a:t>W</a:t>
+            </a:r>
+            <a:r>
+              <a:rPr lang="en-HK" sz="1050" dirty="0"/>
+              <a:t>24</a:t>
+            </a:r>
+            <a:endParaRPr lang="en-HK" dirty="0"/>
+          </a:p>
+        </p:txBody>
+      </p:sp>
+      <p:sp>
+        <p:nvSpPr>
+          <p:cNvPr id="40" name="TextBox 39">
+            <a:extLst>
+              <a:ext uri="{FF2B5EF4-FFF2-40B4-BE49-F238E27FC236}">
+                <a16:creationId xmlns:a16="http://schemas.microsoft.com/office/drawing/2014/main" id="{49110A23-09A3-E62F-FAAF-86E89CF4AED2}"/>
+              </a:ext>
+            </a:extLst>
+          </p:cNvPr>
+          <p:cNvSpPr txBox="1"/>
+          <p:nvPr/>
+        </p:nvSpPr>
+        <p:spPr>
+          <a:xfrm>
+            <a:off x="3842539" y="3426827"/>
+            <a:ext cx="1258678" cy="369332"/>
+          </a:xfrm>
+          <a:prstGeom prst="rect">
+            <a:avLst/>
+          </a:prstGeom>
+          <a:noFill/>
+        </p:spPr>
+        <p:txBody>
+          <a:bodyPr wrap="none" rtlCol="0">
+            <a:spAutoFit/>
+          </a:bodyPr>
+          <a:lstStyle/>
+          <a:p>
+            <a:r>
+              <a:rPr lang="en-US" altLang="zh-CN" dirty="0"/>
+              <a:t>+ W</a:t>
+            </a:r>
+            <a:r>
+              <a:rPr lang="en-US" altLang="zh-CN" sz="1100" dirty="0"/>
+              <a:t>34</a:t>
+            </a:r>
+            <a:r>
+              <a:rPr lang="en-US" altLang="zh-CN" dirty="0"/>
+              <a:t> – </a:t>
+            </a:r>
+            <a:r>
+              <a:rPr lang="en-HK" dirty="0"/>
+              <a:t>W</a:t>
+            </a:r>
+            <a:r>
+              <a:rPr lang="en-HK" sz="1050" dirty="0"/>
+              <a:t>35</a:t>
+            </a:r>
+            <a:endParaRPr lang="en-HK" dirty="0"/>
+          </a:p>
+        </p:txBody>
+      </p:sp>
+    </p:spTree>
+    <p:extLst>
+      <p:ext uri="{BB962C8B-B14F-4D97-AF65-F5344CB8AC3E}">
+        <p14:creationId xmlns:p14="http://schemas.microsoft.com/office/powerpoint/2010/main" val="3162992407"/>
       </p:ext>
     </p:extLst>
   </p:cSld>
